--- a/2) Componentes React.pptx
+++ b/2) Componentes React.pptx
@@ -9,8 +9,11 @@
     <p:sldId id="258" r:id="rId3"/>
     <p:sldId id="257" r:id="rId4"/>
     <p:sldId id="259" r:id="rId5"/>
-    <p:sldId id="260" r:id="rId6"/>
-    <p:sldId id="261" r:id="rId7"/>
+    <p:sldId id="261" r:id="rId6"/>
+    <p:sldId id="263" r:id="rId7"/>
+    <p:sldId id="260" r:id="rId8"/>
+    <p:sldId id="262" r:id="rId9"/>
+    <p:sldId id="264" r:id="rId10"/>
   </p:sldIdLst>
   <p:sldSz cx="12192000" cy="6858000"/>
   <p:notesSz cx="6858000" cy="9144000"/>
@@ -346,7 +349,7 @@
           <a:p>
             <a:fld id="{65F84CA3-B026-45EF-80A8-44FC945CC6C8}" type="datetimeFigureOut">
               <a:rPr lang="es-ES" smtClean="0"/>
-              <a:t>16/12/2019</a:t>
+              <a:t>18/12/2019</a:t>
             </a:fld>
             <a:endParaRPr lang="es-ES"/>
           </a:p>
@@ -680,7 +683,7 @@
           <a:p>
             <a:fld id="{65F84CA3-B026-45EF-80A8-44FC945CC6C8}" type="datetimeFigureOut">
               <a:rPr lang="es-ES" smtClean="0"/>
-              <a:t>16/12/2019</a:t>
+              <a:t>18/12/2019</a:t>
             </a:fld>
             <a:endParaRPr lang="es-ES"/>
           </a:p>
@@ -958,7 +961,7 @@
           <a:p>
             <a:fld id="{65F84CA3-B026-45EF-80A8-44FC945CC6C8}" type="datetimeFigureOut">
               <a:rPr lang="es-ES" smtClean="0"/>
-              <a:t>16/12/2019</a:t>
+              <a:t>18/12/2019</a:t>
             </a:fld>
             <a:endParaRPr lang="es-ES"/>
           </a:p>
@@ -1526,7 +1529,7 @@
           <a:p>
             <a:fld id="{65F84CA3-B026-45EF-80A8-44FC945CC6C8}" type="datetimeFigureOut">
               <a:rPr lang="es-ES" smtClean="0"/>
-              <a:t>16/12/2019</a:t>
+              <a:t>18/12/2019</a:t>
             </a:fld>
             <a:endParaRPr lang="es-ES"/>
           </a:p>
@@ -1804,7 +1807,7 @@
           <a:p>
             <a:fld id="{65F84CA3-B026-45EF-80A8-44FC945CC6C8}" type="datetimeFigureOut">
               <a:rPr lang="es-ES" smtClean="0"/>
-              <a:t>16/12/2019</a:t>
+              <a:t>18/12/2019</a:t>
             </a:fld>
             <a:endParaRPr lang="es-ES"/>
           </a:p>
@@ -2366,7 +2369,7 @@
           <a:p>
             <a:fld id="{65F84CA3-B026-45EF-80A8-44FC945CC6C8}" type="datetimeFigureOut">
               <a:rPr lang="es-ES" smtClean="0"/>
-              <a:t>16/12/2019</a:t>
+              <a:t>18/12/2019</a:t>
             </a:fld>
             <a:endParaRPr lang="es-ES"/>
           </a:p>
@@ -2693,7 +2696,7 @@
           <a:p>
             <a:fld id="{65F84CA3-B026-45EF-80A8-44FC945CC6C8}" type="datetimeFigureOut">
               <a:rPr lang="es-ES" smtClean="0"/>
-              <a:t>16/12/2019</a:t>
+              <a:t>18/12/2019</a:t>
             </a:fld>
             <a:endParaRPr lang="es-ES"/>
           </a:p>
@@ -2898,7 +2901,7 @@
           <a:p>
             <a:fld id="{65F84CA3-B026-45EF-80A8-44FC945CC6C8}" type="datetimeFigureOut">
               <a:rPr lang="es-ES" smtClean="0"/>
-              <a:t>16/12/2019</a:t>
+              <a:t>18/12/2019</a:t>
             </a:fld>
             <a:endParaRPr lang="es-ES"/>
           </a:p>
@@ -3108,7 +3111,7 @@
           <a:p>
             <a:fld id="{65F84CA3-B026-45EF-80A8-44FC945CC6C8}" type="datetimeFigureOut">
               <a:rPr lang="es-ES" smtClean="0"/>
-              <a:t>16/12/2019</a:t>
+              <a:t>18/12/2019</a:t>
             </a:fld>
             <a:endParaRPr lang="es-ES"/>
           </a:p>
@@ -3308,7 +3311,7 @@
           <a:p>
             <a:fld id="{65F84CA3-B026-45EF-80A8-44FC945CC6C8}" type="datetimeFigureOut">
               <a:rPr lang="es-ES" smtClean="0"/>
-              <a:t>16/12/2019</a:t>
+              <a:t>18/12/2019</a:t>
             </a:fld>
             <a:endParaRPr lang="es-ES"/>
           </a:p>
@@ -3584,7 +3587,7 @@
           <a:p>
             <a:fld id="{65F84CA3-B026-45EF-80A8-44FC945CC6C8}" type="datetimeFigureOut">
               <a:rPr lang="es-ES" smtClean="0"/>
-              <a:t>16/12/2019</a:t>
+              <a:t>18/12/2019</a:t>
             </a:fld>
             <a:endParaRPr lang="es-ES"/>
           </a:p>
@@ -3850,7 +3853,7 @@
           <a:p>
             <a:fld id="{65F84CA3-B026-45EF-80A8-44FC945CC6C8}" type="datetimeFigureOut">
               <a:rPr lang="es-ES" smtClean="0"/>
-              <a:t>16/12/2019</a:t>
+              <a:t>18/12/2019</a:t>
             </a:fld>
             <a:endParaRPr lang="es-ES"/>
           </a:p>
@@ -4224,7 +4227,7 @@
           <a:p>
             <a:fld id="{65F84CA3-B026-45EF-80A8-44FC945CC6C8}" type="datetimeFigureOut">
               <a:rPr lang="es-ES" smtClean="0"/>
-              <a:t>16/12/2019</a:t>
+              <a:t>18/12/2019</a:t>
             </a:fld>
             <a:endParaRPr lang="es-ES"/>
           </a:p>
@@ -4372,7 +4375,7 @@
           <a:p>
             <a:fld id="{65F84CA3-B026-45EF-80A8-44FC945CC6C8}" type="datetimeFigureOut">
               <a:rPr lang="es-ES" smtClean="0"/>
-              <a:t>16/12/2019</a:t>
+              <a:t>18/12/2019</a:t>
             </a:fld>
             <a:endParaRPr lang="es-ES"/>
           </a:p>
@@ -4497,7 +4500,7 @@
           <a:p>
             <a:fld id="{65F84CA3-B026-45EF-80A8-44FC945CC6C8}" type="datetimeFigureOut">
               <a:rPr lang="es-ES" smtClean="0"/>
-              <a:t>16/12/2019</a:t>
+              <a:t>18/12/2019</a:t>
             </a:fld>
             <a:endParaRPr lang="es-ES"/>
           </a:p>
@@ -4782,7 +4785,7 @@
           <a:p>
             <a:fld id="{65F84CA3-B026-45EF-80A8-44FC945CC6C8}" type="datetimeFigureOut">
               <a:rPr lang="es-ES" smtClean="0"/>
-              <a:t>16/12/2019</a:t>
+              <a:t>18/12/2019</a:t>
             </a:fld>
             <a:endParaRPr lang="es-ES"/>
           </a:p>
@@ -5106,7 +5109,7 @@
           <a:p>
             <a:fld id="{65F84CA3-B026-45EF-80A8-44FC945CC6C8}" type="datetimeFigureOut">
               <a:rPr lang="es-ES" smtClean="0"/>
-              <a:t>16/12/2019</a:t>
+              <a:t>18/12/2019</a:t>
             </a:fld>
             <a:endParaRPr lang="es-ES"/>
           </a:p>
@@ -5320,7 +5323,7 @@
           <a:p>
             <a:fld id="{65F84CA3-B026-45EF-80A8-44FC945CC6C8}" type="datetimeFigureOut">
               <a:rPr lang="es-ES" smtClean="0"/>
-              <a:t>16/12/2019</a:t>
+              <a:t>18/12/2019</a:t>
             </a:fld>
             <a:endParaRPr lang="es-ES"/>
           </a:p>
@@ -5974,21 +5977,34 @@
             <p:ph idx="1"/>
           </p:nvPr>
         </p:nvSpPr>
-        <p:spPr/>
-        <p:txBody>
-          <a:bodyPr/>
-          <a:lstStyle/>
-          <a:p>
-            <a:r>
-              <a:rPr lang="es-ES" dirty="0"/>
+        <p:spPr>
+          <a:xfrm>
+            <a:off x="685801" y="2142068"/>
+            <a:ext cx="11131061" cy="2007902"/>
+          </a:xfrm>
+        </p:spPr>
+        <p:txBody>
+          <a:bodyPr>
+            <a:normAutofit/>
+          </a:bodyPr>
+          <a:lstStyle/>
+          <a:p>
+            <a:r>
+              <a:rPr lang="es-ES" sz="2400" dirty="0"/>
+              <a:t>Son elementos que permiten separar la interfaz de usuario en piezas independientes, reutilizables y pensar en cada pieza de forma aislada.</a:t>
+            </a:r>
+          </a:p>
+          <a:p>
+            <a:r>
+              <a:rPr lang="es-ES" sz="2400" dirty="0"/>
               <a:t>Tienen un estado interno y aceptan propiedades (</a:t>
             </a:r>
             <a:r>
-              <a:rPr lang="es-ES" dirty="0" err="1"/>
+              <a:rPr lang="es-ES" sz="2400" dirty="0" err="1"/>
               <a:t>props</a:t>
             </a:r>
             <a:r>
-              <a:rPr lang="es-ES" dirty="0"/>
+              <a:rPr lang="es-ES" sz="2400" dirty="0"/>
               <a:t>)</a:t>
             </a:r>
           </a:p>
@@ -6260,51 +6276,12 @@
           <a:chExt cx="0" cy="0"/>
         </a:xfrm>
       </p:grpSpPr>
-      <p:sp>
-        <p:nvSpPr>
-          <p:cNvPr id="2" name="Título 1">
+      <p:pic>
+        <p:nvPicPr>
+          <p:cNvPr id="9" name="Marcador de contenido 8">
             <a:extLst>
               <a:ext uri="{FF2B5EF4-FFF2-40B4-BE49-F238E27FC236}">
-                <a16:creationId xmlns:a16="http://schemas.microsoft.com/office/drawing/2014/main" id="{E1C7D29B-BFC1-4595-8D04-4746E02F147F}"/>
-              </a:ext>
-            </a:extLst>
-          </p:cNvPr>
-          <p:cNvSpPr>
-            <a:spLocks noGrp="1"/>
-          </p:cNvSpPr>
-          <p:nvPr>
-            <p:ph type="title"/>
-          </p:nvPr>
-        </p:nvSpPr>
-        <p:spPr/>
-        <p:txBody>
-          <a:bodyPr>
-            <a:normAutofit/>
-          </a:bodyPr>
-          <a:lstStyle/>
-          <a:p>
-            <a:r>
-              <a:rPr lang="es-CR" dirty="0"/>
-              <a:t>Parámetros (</a:t>
-            </a:r>
-            <a:r>
-              <a:rPr lang="es-CR" dirty="0" err="1"/>
-              <a:t>Props</a:t>
-            </a:r>
-            <a:r>
-              <a:rPr lang="es-CR" dirty="0"/>
-              <a:t>) en componentes</a:t>
-            </a:r>
-            <a:endParaRPr lang="es-ES" dirty="0"/>
-          </a:p>
-        </p:txBody>
-      </p:sp>
-      <p:pic>
-        <p:nvPicPr>
-          <p:cNvPr id="4" name="Marcador de contenido 3">
-            <a:extLst>
-              <a:ext uri="{FF2B5EF4-FFF2-40B4-BE49-F238E27FC236}">
-                <a16:creationId xmlns:a16="http://schemas.microsoft.com/office/drawing/2014/main" id="{5196B3DC-8CD4-4909-A39B-CCBD05DEA302}"/>
+                <a16:creationId xmlns:a16="http://schemas.microsoft.com/office/drawing/2014/main" id="{8AE2F273-E09B-44B9-97B6-8A7B98151C07}"/>
               </a:ext>
             </a:extLst>
           </p:cNvPr>
@@ -6323,18 +6300,150 @@
         </p:blipFill>
         <p:spPr>
           <a:xfrm>
-            <a:off x="148381" y="2715065"/>
-            <a:ext cx="11988573" cy="2349305"/>
+            <a:off x="0" y="1182537"/>
+            <a:ext cx="12191999" cy="5039359"/>
           </a:xfrm>
           <a:prstGeom prst="rect">
             <a:avLst/>
           </a:prstGeom>
         </p:spPr>
       </p:pic>
+      <p:sp>
+        <p:nvSpPr>
+          <p:cNvPr id="2" name="Título 1">
+            <a:extLst>
+              <a:ext uri="{FF2B5EF4-FFF2-40B4-BE49-F238E27FC236}">
+                <a16:creationId xmlns:a16="http://schemas.microsoft.com/office/drawing/2014/main" id="{5397593C-28B0-46FD-AD0F-AAB0C6081F37}"/>
+              </a:ext>
+            </a:extLst>
+          </p:cNvPr>
+          <p:cNvSpPr>
+            <a:spLocks noGrp="1"/>
+          </p:cNvSpPr>
+          <p:nvPr>
+            <p:ph type="title"/>
+          </p:nvPr>
+        </p:nvSpPr>
+        <p:spPr>
+          <a:xfrm>
+            <a:off x="696008" y="162733"/>
+            <a:ext cx="10131425" cy="953542"/>
+          </a:xfrm>
+        </p:spPr>
+        <p:txBody>
+          <a:bodyPr/>
+          <a:lstStyle/>
+          <a:p>
+            <a:r>
+              <a:rPr lang="es-CR" dirty="0"/>
+              <a:t>Componentes Funcionales</a:t>
+            </a:r>
+            <a:endParaRPr lang="es-ES" dirty="0"/>
+          </a:p>
+        </p:txBody>
+      </p:sp>
+      <p:sp>
+        <p:nvSpPr>
+          <p:cNvPr id="10" name="CuadroTexto 9">
+            <a:extLst>
+              <a:ext uri="{FF2B5EF4-FFF2-40B4-BE49-F238E27FC236}">
+                <a16:creationId xmlns:a16="http://schemas.microsoft.com/office/drawing/2014/main" id="{555EB442-8014-480A-A188-26E6B493596E}"/>
+              </a:ext>
+            </a:extLst>
+          </p:cNvPr>
+          <p:cNvSpPr txBox="1"/>
+          <p:nvPr/>
+        </p:nvSpPr>
+        <p:spPr>
+          <a:xfrm>
+            <a:off x="4529799" y="5850858"/>
+            <a:ext cx="4360985" cy="954107"/>
+          </a:xfrm>
+          <a:prstGeom prst="rect">
+            <a:avLst/>
+          </a:prstGeom>
+        </p:spPr>
+        <p:style>
+          <a:lnRef idx="2">
+            <a:schemeClr val="accent2"/>
+          </a:lnRef>
+          <a:fillRef idx="1">
+            <a:schemeClr val="lt1"/>
+          </a:fillRef>
+          <a:effectRef idx="0">
+            <a:schemeClr val="accent2"/>
+          </a:effectRef>
+          <a:fontRef idx="minor">
+            <a:schemeClr val="dk1"/>
+          </a:fontRef>
+        </p:style>
+        <p:txBody>
+          <a:bodyPr wrap="square" rtlCol="0">
+            <a:spAutoFit/>
+          </a:bodyPr>
+          <a:lstStyle/>
+          <a:p>
+            <a:r>
+              <a:rPr lang="es-CR" sz="2800" dirty="0"/>
+              <a:t>Se manda a llamar dentro de una etiqueta similar a XML</a:t>
+            </a:r>
+            <a:endParaRPr lang="es-ES" sz="2800" dirty="0"/>
+          </a:p>
+        </p:txBody>
+      </p:sp>
+      <p:sp>
+        <p:nvSpPr>
+          <p:cNvPr id="11" name="CuadroTexto 10">
+            <a:extLst>
+              <a:ext uri="{FF2B5EF4-FFF2-40B4-BE49-F238E27FC236}">
+                <a16:creationId xmlns:a16="http://schemas.microsoft.com/office/drawing/2014/main" id="{DF1806EA-40F3-44EF-A2AA-36F3A2021067}"/>
+              </a:ext>
+            </a:extLst>
+          </p:cNvPr>
+          <p:cNvSpPr txBox="1"/>
+          <p:nvPr/>
+        </p:nvSpPr>
+        <p:spPr>
+          <a:xfrm>
+            <a:off x="6507483" y="3225162"/>
+            <a:ext cx="4766602" cy="954107"/>
+          </a:xfrm>
+          <a:prstGeom prst="rect">
+            <a:avLst/>
+          </a:prstGeom>
+        </p:spPr>
+        <p:style>
+          <a:lnRef idx="2">
+            <a:schemeClr val="accent2"/>
+          </a:lnRef>
+          <a:fillRef idx="1">
+            <a:schemeClr val="lt1"/>
+          </a:fillRef>
+          <a:effectRef idx="0">
+            <a:schemeClr val="accent2"/>
+          </a:effectRef>
+          <a:fontRef idx="minor">
+            <a:schemeClr val="dk1"/>
+          </a:fontRef>
+        </p:style>
+        <p:txBody>
+          <a:bodyPr wrap="square" rtlCol="0">
+            <a:spAutoFit/>
+          </a:bodyPr>
+          <a:lstStyle/>
+          <a:p>
+            <a:r>
+              <a:rPr lang="es-CR" sz="2800" dirty="0"/>
+              <a:t>Es una función de JavaScript normal, pero que devuelve JSX</a:t>
+            </a:r>
+            <a:endParaRPr lang="es-ES" sz="2800" dirty="0"/>
+          </a:p>
+        </p:txBody>
+      </p:sp>
     </p:spTree>
     <p:extLst>
       <p:ext uri="{BB962C8B-B14F-4D97-AF65-F5344CB8AC3E}">
-        <p14:creationId xmlns:p14="http://schemas.microsoft.com/office/powerpoint/2010/main" val="3834074000"/>
+        <p14:creationId xmlns:p14="http://schemas.microsoft.com/office/powerpoint/2010/main" val="2393047770"/>
       </p:ext>
     </p:extLst>
   </p:cSld>
@@ -6361,12 +6470,50 @@
           <a:chExt cx="0" cy="0"/>
         </a:xfrm>
       </p:grpSpPr>
+      <p:sp>
+        <p:nvSpPr>
+          <p:cNvPr id="2" name="Título 1">
+            <a:extLst>
+              <a:ext uri="{FF2B5EF4-FFF2-40B4-BE49-F238E27FC236}">
+                <a16:creationId xmlns:a16="http://schemas.microsoft.com/office/drawing/2014/main" id="{8B2DB981-B8C0-45F0-BBAE-7DBE34CC82B3}"/>
+              </a:ext>
+            </a:extLst>
+          </p:cNvPr>
+          <p:cNvSpPr>
+            <a:spLocks noGrp="1"/>
+          </p:cNvSpPr>
+          <p:nvPr>
+            <p:ph type="title"/>
+          </p:nvPr>
+        </p:nvSpPr>
+        <p:spPr>
+          <a:xfrm>
+            <a:off x="412998" y="212858"/>
+            <a:ext cx="11584641" cy="1456267"/>
+          </a:xfrm>
+        </p:spPr>
+        <p:txBody>
+          <a:bodyPr/>
+          <a:lstStyle/>
+          <a:p>
+            <a:r>
+              <a:rPr lang="es-CR" dirty="0"/>
+              <a:t>Componentes Funcionales con Arrow </a:t>
+            </a:r>
+            <a:r>
+              <a:rPr lang="es-CR" dirty="0" err="1"/>
+              <a:t>Functions</a:t>
+            </a:r>
+            <a:endParaRPr lang="es-ES" dirty="0"/>
+          </a:p>
+        </p:txBody>
+      </p:sp>
       <p:pic>
         <p:nvPicPr>
-          <p:cNvPr id="9" name="Marcador de contenido 8">
+          <p:cNvPr id="8" name="Marcador de contenido 7">
             <a:extLst>
               <a:ext uri="{FF2B5EF4-FFF2-40B4-BE49-F238E27FC236}">
-                <a16:creationId xmlns:a16="http://schemas.microsoft.com/office/drawing/2014/main" id="{8AE2F273-E09B-44B9-97B6-8A7B98151C07}"/>
+                <a16:creationId xmlns:a16="http://schemas.microsoft.com/office/drawing/2014/main" id="{3DE02A6D-CBC1-48B6-B9C9-09CE9D12FC26}"/>
               </a:ext>
             </a:extLst>
           </p:cNvPr>
@@ -6385,20 +6532,50 @@
         </p:blipFill>
         <p:spPr>
           <a:xfrm>
-            <a:off x="0" y="1182537"/>
-            <a:ext cx="12191999" cy="5039359"/>
+            <a:off x="208429" y="1669125"/>
+            <a:ext cx="11775142" cy="4513805"/>
           </a:xfrm>
           <a:prstGeom prst="rect">
             <a:avLst/>
           </a:prstGeom>
         </p:spPr>
       </p:pic>
+    </p:spTree>
+    <p:extLst>
+      <p:ext uri="{BB962C8B-B14F-4D97-AF65-F5344CB8AC3E}">
+        <p14:creationId xmlns:p14="http://schemas.microsoft.com/office/powerpoint/2010/main" val="1719872337"/>
+      </p:ext>
+    </p:extLst>
+  </p:cSld>
+  <p:clrMapOvr>
+    <a:masterClrMapping/>
+  </p:clrMapOvr>
+</p:sld>
+</file>
+
+<file path=ppt/slides/slide7.xml><?xml version="1.0" encoding="utf-8"?>
+<p:sld xmlns:a="http://schemas.openxmlformats.org/drawingml/2006/main" xmlns:r="http://schemas.openxmlformats.org/officeDocument/2006/relationships" xmlns:p="http://schemas.openxmlformats.org/presentationml/2006/main">
+  <p:cSld>
+    <p:spTree>
+      <p:nvGrpSpPr>
+        <p:cNvPr id="1" name=""/>
+        <p:cNvGrpSpPr/>
+        <p:nvPr/>
+      </p:nvGrpSpPr>
+      <p:grpSpPr>
+        <a:xfrm>
+          <a:off x="0" y="0"/>
+          <a:ext cx="0" cy="0"/>
+          <a:chOff x="0" y="0"/>
+          <a:chExt cx="0" cy="0"/>
+        </a:xfrm>
+      </p:grpSpPr>
       <p:sp>
         <p:nvSpPr>
           <p:cNvPr id="2" name="Título 1">
             <a:extLst>
               <a:ext uri="{FF2B5EF4-FFF2-40B4-BE49-F238E27FC236}">
-                <a16:creationId xmlns:a16="http://schemas.microsoft.com/office/drawing/2014/main" id="{5397593C-28B0-46FD-AD0F-AAB0C6081F37}"/>
+                <a16:creationId xmlns:a16="http://schemas.microsoft.com/office/drawing/2014/main" id="{E1C7D29B-BFC1-4595-8D04-4746E02F147F}"/>
               </a:ext>
             </a:extLst>
           </p:cNvPr>
@@ -6409,126 +6586,271 @@
             <p:ph type="title"/>
           </p:nvPr>
         </p:nvSpPr>
-        <p:spPr>
-          <a:xfrm>
-            <a:off x="713937" y="13868"/>
-            <a:ext cx="10131425" cy="953542"/>
-          </a:xfrm>
-        </p:spPr>
-        <p:txBody>
-          <a:bodyPr/>
+        <p:spPr/>
+        <p:txBody>
+          <a:bodyPr>
+            <a:normAutofit/>
+          </a:bodyPr>
           <a:lstStyle/>
           <a:p>
             <a:r>
               <a:rPr lang="es-CR" dirty="0"/>
-              <a:t>Componentes Funcionales</a:t>
+              <a:t>Parámetros (</a:t>
+            </a:r>
+            <a:r>
+              <a:rPr lang="es-CR" dirty="0" err="1"/>
+              <a:t>Props</a:t>
+            </a:r>
+            <a:r>
+              <a:rPr lang="es-CR" dirty="0"/>
+              <a:t>) en componentes</a:t>
             </a:r>
             <a:endParaRPr lang="es-ES" dirty="0"/>
           </a:p>
         </p:txBody>
       </p:sp>
-      <p:sp>
-        <p:nvSpPr>
-          <p:cNvPr id="10" name="CuadroTexto 9">
+      <p:pic>
+        <p:nvPicPr>
+          <p:cNvPr id="4" name="Marcador de contenido 3">
             <a:extLst>
               <a:ext uri="{FF2B5EF4-FFF2-40B4-BE49-F238E27FC236}">
-                <a16:creationId xmlns:a16="http://schemas.microsoft.com/office/drawing/2014/main" id="{555EB442-8014-480A-A188-26E6B493596E}"/>
+                <a16:creationId xmlns:a16="http://schemas.microsoft.com/office/drawing/2014/main" id="{5196B3DC-8CD4-4909-A39B-CCBD05DEA302}"/>
               </a:ext>
             </a:extLst>
           </p:cNvPr>
-          <p:cNvSpPr txBox="1"/>
-          <p:nvPr/>
-        </p:nvSpPr>
-        <p:spPr>
-          <a:xfrm>
-            <a:off x="4529799" y="5850858"/>
-            <a:ext cx="4360985" cy="954107"/>
+          <p:cNvPicPr>
+            <a:picLocks noGrp="1" noChangeAspect="1"/>
+          </p:cNvPicPr>
+          <p:nvPr>
+            <p:ph idx="1"/>
+          </p:nvPr>
+        </p:nvPicPr>
+        <p:blipFill>
+          <a:blip r:embed="rId2"/>
+          <a:stretch>
+            <a:fillRect/>
+          </a:stretch>
+        </p:blipFill>
+        <p:spPr>
+          <a:xfrm>
+            <a:off x="36787" y="2715065"/>
+            <a:ext cx="12113419" cy="2373770"/>
           </a:xfrm>
           <a:prstGeom prst="rect">
             <a:avLst/>
           </a:prstGeom>
         </p:spPr>
-        <p:style>
-          <a:lnRef idx="2">
-            <a:schemeClr val="accent2"/>
-          </a:lnRef>
-          <a:fillRef idx="1">
-            <a:schemeClr val="lt1"/>
-          </a:fillRef>
-          <a:effectRef idx="0">
-            <a:schemeClr val="accent2"/>
-          </a:effectRef>
-          <a:fontRef idx="minor">
-            <a:schemeClr val="dk1"/>
-          </a:fontRef>
-        </p:style>
-        <p:txBody>
-          <a:bodyPr wrap="square" rtlCol="0">
-            <a:spAutoFit/>
-          </a:bodyPr>
-          <a:lstStyle/>
-          <a:p>
-            <a:r>
-              <a:rPr lang="es-CR" sz="2800" dirty="0"/>
-              <a:t>Se manda a llamar dentro de una etiqueta similar a XML</a:t>
-            </a:r>
-            <a:endParaRPr lang="es-ES" sz="2800" dirty="0"/>
-          </a:p>
-        </p:txBody>
-      </p:sp>
-      <p:sp>
-        <p:nvSpPr>
-          <p:cNvPr id="11" name="CuadroTexto 10">
+      </p:pic>
+    </p:spTree>
+    <p:extLst>
+      <p:ext uri="{BB962C8B-B14F-4D97-AF65-F5344CB8AC3E}">
+        <p14:creationId xmlns:p14="http://schemas.microsoft.com/office/powerpoint/2010/main" val="3834074000"/>
+      </p:ext>
+    </p:extLst>
+  </p:cSld>
+  <p:clrMapOvr>
+    <a:masterClrMapping/>
+  </p:clrMapOvr>
+</p:sld>
+</file>
+
+<file path=ppt/slides/slide8.xml><?xml version="1.0" encoding="utf-8"?>
+<p:sld xmlns:a="http://schemas.openxmlformats.org/drawingml/2006/main" xmlns:r="http://schemas.openxmlformats.org/officeDocument/2006/relationships" xmlns:p="http://schemas.openxmlformats.org/presentationml/2006/main">
+  <p:cSld>
+    <p:spTree>
+      <p:nvGrpSpPr>
+        <p:cNvPr id="1" name=""/>
+        <p:cNvGrpSpPr/>
+        <p:nvPr/>
+      </p:nvGrpSpPr>
+      <p:grpSpPr>
+        <a:xfrm>
+          <a:off x="0" y="0"/>
+          <a:ext cx="0" cy="0"/>
+          <a:chOff x="0" y="0"/>
+          <a:chExt cx="0" cy="0"/>
+        </a:xfrm>
+      </p:grpSpPr>
+      <p:sp>
+        <p:nvSpPr>
+          <p:cNvPr id="2" name="Título 1">
             <a:extLst>
               <a:ext uri="{FF2B5EF4-FFF2-40B4-BE49-F238E27FC236}">
-                <a16:creationId xmlns:a16="http://schemas.microsoft.com/office/drawing/2014/main" id="{DF1806EA-40F3-44EF-A2AA-36F3A2021067}"/>
+                <a16:creationId xmlns:a16="http://schemas.microsoft.com/office/drawing/2014/main" id="{E1C7D29B-BFC1-4595-8D04-4746E02F147F}"/>
               </a:ext>
             </a:extLst>
           </p:cNvPr>
-          <p:cNvSpPr txBox="1"/>
-          <p:nvPr/>
-        </p:nvSpPr>
-        <p:spPr>
-          <a:xfrm>
-            <a:off x="6507483" y="3225162"/>
-            <a:ext cx="4766602" cy="954107"/>
+          <p:cNvSpPr>
+            <a:spLocks noGrp="1"/>
+          </p:cNvSpPr>
+          <p:nvPr>
+            <p:ph type="title"/>
+          </p:nvPr>
+        </p:nvSpPr>
+        <p:spPr>
+          <a:xfrm>
+            <a:off x="535057" y="154745"/>
+            <a:ext cx="11121886" cy="879420"/>
+          </a:xfrm>
+        </p:spPr>
+        <p:txBody>
+          <a:bodyPr>
+            <a:normAutofit/>
+          </a:bodyPr>
+          <a:lstStyle/>
+          <a:p>
+            <a:r>
+              <a:rPr lang="es-CR" dirty="0"/>
+              <a:t>Parámetros (</a:t>
+            </a:r>
+            <a:r>
+              <a:rPr lang="es-CR" dirty="0" err="1"/>
+              <a:t>Props</a:t>
+            </a:r>
+            <a:r>
+              <a:rPr lang="es-CR" dirty="0"/>
+              <a:t>) en componentes Funcionales</a:t>
+            </a:r>
+            <a:endParaRPr lang="es-ES" dirty="0"/>
+          </a:p>
+        </p:txBody>
+      </p:sp>
+      <p:pic>
+        <p:nvPicPr>
+          <p:cNvPr id="9" name="Marcador de contenido 8">
+            <a:extLst>
+              <a:ext uri="{FF2B5EF4-FFF2-40B4-BE49-F238E27FC236}">
+                <a16:creationId xmlns:a16="http://schemas.microsoft.com/office/drawing/2014/main" id="{8CA6A2DB-0820-4E5F-ADFC-8770A58ADA05}"/>
+              </a:ext>
+            </a:extLst>
+          </p:cNvPr>
+          <p:cNvPicPr>
+            <a:picLocks noGrp="1" noChangeAspect="1"/>
+          </p:cNvPicPr>
+          <p:nvPr>
+            <p:ph idx="1"/>
+          </p:nvPr>
+        </p:nvPicPr>
+        <p:blipFill>
+          <a:blip r:embed="rId2"/>
+          <a:stretch>
+            <a:fillRect/>
+          </a:stretch>
+        </p:blipFill>
+        <p:spPr>
+          <a:xfrm>
+            <a:off x="1882726" y="1186532"/>
+            <a:ext cx="8426547" cy="5544859"/>
           </a:xfrm>
           <a:prstGeom prst="rect">
             <a:avLst/>
           </a:prstGeom>
         </p:spPr>
-        <p:style>
-          <a:lnRef idx="2">
-            <a:schemeClr val="accent2"/>
-          </a:lnRef>
-          <a:fillRef idx="1">
-            <a:schemeClr val="lt1"/>
-          </a:fillRef>
-          <a:effectRef idx="0">
-            <a:schemeClr val="accent2"/>
-          </a:effectRef>
-          <a:fontRef idx="minor">
-            <a:schemeClr val="dk1"/>
-          </a:fontRef>
-        </p:style>
-        <p:txBody>
-          <a:bodyPr wrap="square" rtlCol="0">
-            <a:spAutoFit/>
-          </a:bodyPr>
-          <a:lstStyle/>
-          <a:p>
-            <a:r>
-              <a:rPr lang="es-CR" sz="2800" dirty="0"/>
-              <a:t>Es una función de JavaScript normal, pero que devuelve JSX</a:t>
-            </a:r>
-            <a:endParaRPr lang="es-ES" sz="2800" dirty="0"/>
-          </a:p>
-        </p:txBody>
-      </p:sp>
+      </p:pic>
     </p:spTree>
     <p:extLst>
       <p:ext uri="{BB962C8B-B14F-4D97-AF65-F5344CB8AC3E}">
-        <p14:creationId xmlns:p14="http://schemas.microsoft.com/office/powerpoint/2010/main" val="2393047770"/>
+        <p14:creationId xmlns:p14="http://schemas.microsoft.com/office/powerpoint/2010/main" val="2698011220"/>
+      </p:ext>
+    </p:extLst>
+  </p:cSld>
+  <p:clrMapOvr>
+    <a:masterClrMapping/>
+  </p:clrMapOvr>
+</p:sld>
+</file>
+
+<file path=ppt/slides/slide9.xml><?xml version="1.0" encoding="utf-8"?>
+<p:sld xmlns:a="http://schemas.openxmlformats.org/drawingml/2006/main" xmlns:r="http://schemas.openxmlformats.org/officeDocument/2006/relationships" xmlns:p="http://schemas.openxmlformats.org/presentationml/2006/main">
+  <p:cSld>
+    <p:spTree>
+      <p:nvGrpSpPr>
+        <p:cNvPr id="1" name=""/>
+        <p:cNvGrpSpPr/>
+        <p:nvPr/>
+      </p:nvGrpSpPr>
+      <p:grpSpPr>
+        <a:xfrm>
+          <a:off x="0" y="0"/>
+          <a:ext cx="0" cy="0"/>
+          <a:chOff x="0" y="0"/>
+          <a:chExt cx="0" cy="0"/>
+        </a:xfrm>
+      </p:grpSpPr>
+      <p:sp>
+        <p:nvSpPr>
+          <p:cNvPr id="2" name="Título 1">
+            <a:extLst>
+              <a:ext uri="{FF2B5EF4-FFF2-40B4-BE49-F238E27FC236}">
+                <a16:creationId xmlns:a16="http://schemas.microsoft.com/office/drawing/2014/main" id="{F2F18F28-A238-4CAE-8325-5A2719D04C36}"/>
+              </a:ext>
+            </a:extLst>
+          </p:cNvPr>
+          <p:cNvSpPr>
+            <a:spLocks noGrp="1"/>
+          </p:cNvSpPr>
+          <p:nvPr>
+            <p:ph type="title"/>
+          </p:nvPr>
+        </p:nvSpPr>
+        <p:spPr>
+          <a:xfrm>
+            <a:off x="685801" y="0"/>
+            <a:ext cx="10835639" cy="1456267"/>
+          </a:xfrm>
+        </p:spPr>
+        <p:txBody>
+          <a:bodyPr/>
+          <a:lstStyle/>
+          <a:p>
+            <a:r>
+              <a:rPr lang="es-CR" dirty="0"/>
+              <a:t>Eventos y acciones dentro de componentes </a:t>
+            </a:r>
+            <a:r>
+              <a:rPr lang="es-CR" dirty="0" err="1"/>
+              <a:t>React</a:t>
+            </a:r>
+            <a:endParaRPr lang="es-ES" dirty="0"/>
+          </a:p>
+        </p:txBody>
+      </p:sp>
+      <p:pic>
+        <p:nvPicPr>
+          <p:cNvPr id="4" name="Marcador de contenido 3">
+            <a:extLst>
+              <a:ext uri="{FF2B5EF4-FFF2-40B4-BE49-F238E27FC236}">
+                <a16:creationId xmlns:a16="http://schemas.microsoft.com/office/drawing/2014/main" id="{3FE845B9-D5D2-440A-8B86-89B4E1B3FB37}"/>
+              </a:ext>
+            </a:extLst>
+          </p:cNvPr>
+          <p:cNvPicPr>
+            <a:picLocks noGrp="1" noChangeAspect="1"/>
+          </p:cNvPicPr>
+          <p:nvPr>
+            <p:ph idx="1"/>
+          </p:nvPr>
+        </p:nvPicPr>
+        <p:blipFill>
+          <a:blip r:embed="rId2"/>
+          <a:stretch>
+            <a:fillRect/>
+          </a:stretch>
+        </p:blipFill>
+        <p:spPr>
+          <a:xfrm>
+            <a:off x="1037907" y="1304941"/>
+            <a:ext cx="10131425" cy="5407287"/>
+          </a:xfrm>
+          <a:prstGeom prst="rect">
+            <a:avLst/>
+          </a:prstGeom>
+        </p:spPr>
+      </p:pic>
+    </p:spTree>
+    <p:extLst>
+      <p:ext uri="{BB962C8B-B14F-4D97-AF65-F5344CB8AC3E}">
+        <p14:creationId xmlns:p14="http://schemas.microsoft.com/office/powerpoint/2010/main" val="953746835"/>
       </p:ext>
     </p:extLst>
   </p:cSld>
